--- a/meeting/20180525.pptx
+++ b/meeting/20180525.pptx
@@ -3513,15 +3513,1112 @@
             <p:ph idx="1"/>
           </p:nvPr>
         </p:nvSpPr>
-        <p:spPr/>
-        <p:txBody>
-          <a:bodyPr/>
-          <a:lstStyle/>
-          <a:p>
+        <p:spPr>
+          <a:xfrm>
+            <a:off x="628650" y="1547446"/>
+            <a:ext cx="7886700" cy="4629517"/>
+          </a:xfrm>
+        </p:spPr>
+        <p:txBody>
+          <a:bodyPr/>
+          <a:lstStyle/>
+          <a:p>
+            <a:r>
+              <a:rPr kumimoji="1" lang="ja-JP" altLang="en-US"/>
+              <a:t>マージする時、文書順になるように実装</a:t>
+            </a:r>
+            <a:endParaRPr kumimoji="1" lang="en-US" altLang="ja-JP" dirty="0"/>
+          </a:p>
+          <a:p>
+            <a:pPr lvl="1"/>
+            <a:r>
+              <a:rPr lang="ja-JP" altLang="en-US"/>
+              <a:t>トライ木の分岐がきたときに、ノードを文書順で</a:t>
+            </a:r>
+            <a:br>
+              <a:rPr lang="en-US" altLang="ja-JP" dirty="0"/>
+            </a:br>
+            <a:r>
+              <a:rPr lang="ja-JP" altLang="en-US"/>
+              <a:t>比較</a:t>
+            </a:r>
             <a:endParaRPr kumimoji="1" lang="ja-JP" altLang="en-US"/>
           </a:p>
         </p:txBody>
       </p:sp>
+      <p:grpSp>
+        <p:nvGrpSpPr>
+          <p:cNvPr id="4" name="グループ化 3">
+            <a:extLst>
+              <a:ext uri="{FF2B5EF4-FFF2-40B4-BE49-F238E27FC236}">
+                <a16:creationId xmlns:a16="http://schemas.microsoft.com/office/drawing/2014/main" id="{18F19A2F-F13F-FF41-90E1-78DCA8D913EC}"/>
+              </a:ext>
+            </a:extLst>
+          </p:cNvPr>
+          <p:cNvGrpSpPr/>
+          <p:nvPr/>
+        </p:nvGrpSpPr>
+        <p:grpSpPr>
+          <a:xfrm>
+            <a:off x="3279571" y="3336586"/>
+            <a:ext cx="327334" cy="2504995"/>
+            <a:chOff x="3229693" y="3297677"/>
+            <a:chExt cx="327334" cy="2504995"/>
+          </a:xfrm>
+        </p:grpSpPr>
+        <p:sp>
+          <p:nvSpPr>
+            <p:cNvPr id="5" name="テキスト ボックス 4">
+              <a:extLst>
+                <a:ext uri="{FF2B5EF4-FFF2-40B4-BE49-F238E27FC236}">
+                  <a16:creationId xmlns:a16="http://schemas.microsoft.com/office/drawing/2014/main" id="{859CA6CD-D3BC-4E42-9019-5A7A595999BD}"/>
+                </a:ext>
+              </a:extLst>
+            </p:cNvPr>
+            <p:cNvSpPr txBox="1"/>
+            <p:nvPr/>
+          </p:nvSpPr>
+          <p:spPr>
+            <a:xfrm>
+              <a:off x="3239311" y="3297677"/>
+              <a:ext cx="317716" cy="369332"/>
+            </a:xfrm>
+            <a:prstGeom prst="rect">
+              <a:avLst/>
+            </a:prstGeom>
+            <a:noFill/>
+          </p:spPr>
+          <p:txBody>
+            <a:bodyPr wrap="none" rtlCol="0">
+              <a:spAutoFit/>
+            </a:bodyPr>
+            <a:lstStyle/>
+            <a:p>
+              <a:r>
+                <a:rPr kumimoji="1" lang="en-US" altLang="ja-JP" dirty="0"/>
+                <a:t>A</a:t>
+              </a:r>
+              <a:endParaRPr kumimoji="1" lang="ja-JP" altLang="en-US"/>
+            </a:p>
+          </p:txBody>
+        </p:sp>
+        <p:sp>
+          <p:nvSpPr>
+            <p:cNvPr id="6" name="テキスト ボックス 5">
+              <a:extLst>
+                <a:ext uri="{FF2B5EF4-FFF2-40B4-BE49-F238E27FC236}">
+                  <a16:creationId xmlns:a16="http://schemas.microsoft.com/office/drawing/2014/main" id="{272DC9C8-9F65-A348-B791-471C9EFA10BF}"/>
+                </a:ext>
+              </a:extLst>
+            </p:cNvPr>
+            <p:cNvSpPr txBox="1"/>
+            <p:nvPr/>
+          </p:nvSpPr>
+          <p:spPr>
+            <a:xfrm>
+              <a:off x="3239311" y="4007912"/>
+              <a:ext cx="308098" cy="369332"/>
+            </a:xfrm>
+            <a:prstGeom prst="rect">
+              <a:avLst/>
+            </a:prstGeom>
+            <a:noFill/>
+          </p:spPr>
+          <p:txBody>
+            <a:bodyPr wrap="none" rtlCol="0">
+              <a:spAutoFit/>
+            </a:bodyPr>
+            <a:lstStyle/>
+            <a:p>
+              <a:r>
+                <a:rPr lang="en-US" altLang="ja-JP" dirty="0"/>
+                <a:t>C</a:t>
+              </a:r>
+              <a:endParaRPr kumimoji="1" lang="ja-JP" altLang="en-US"/>
+            </a:p>
+          </p:txBody>
+        </p:sp>
+        <p:sp>
+          <p:nvSpPr>
+            <p:cNvPr id="7" name="テキスト ボックス 6">
+              <a:extLst>
+                <a:ext uri="{FF2B5EF4-FFF2-40B4-BE49-F238E27FC236}">
+                  <a16:creationId xmlns:a16="http://schemas.microsoft.com/office/drawing/2014/main" id="{CB1A16B7-B1A5-B543-9602-8629382EBC59}"/>
+                </a:ext>
+              </a:extLst>
+            </p:cNvPr>
+            <p:cNvSpPr txBox="1"/>
+            <p:nvPr/>
+          </p:nvSpPr>
+          <p:spPr>
+            <a:xfrm>
+              <a:off x="3229693" y="4723105"/>
+              <a:ext cx="327334" cy="369332"/>
+            </a:xfrm>
+            <a:prstGeom prst="rect">
+              <a:avLst/>
+            </a:prstGeom>
+            <a:noFill/>
+          </p:spPr>
+          <p:txBody>
+            <a:bodyPr wrap="none" rtlCol="0">
+              <a:spAutoFit/>
+            </a:bodyPr>
+            <a:lstStyle/>
+            <a:p>
+              <a:r>
+                <a:rPr kumimoji="1" lang="en-US" altLang="ja-JP" dirty="0"/>
+                <a:t>D</a:t>
+              </a:r>
+              <a:endParaRPr kumimoji="1" lang="ja-JP" altLang="en-US"/>
+            </a:p>
+          </p:txBody>
+        </p:sp>
+        <p:sp>
+          <p:nvSpPr>
+            <p:cNvPr id="8" name="テキスト ボックス 7">
+              <a:extLst>
+                <a:ext uri="{FF2B5EF4-FFF2-40B4-BE49-F238E27FC236}">
+                  <a16:creationId xmlns:a16="http://schemas.microsoft.com/office/drawing/2014/main" id="{6D5BFACC-DBD3-FD40-A8F9-2D4D6C060596}"/>
+                </a:ext>
+              </a:extLst>
+            </p:cNvPr>
+            <p:cNvSpPr txBox="1"/>
+            <p:nvPr/>
+          </p:nvSpPr>
+          <p:spPr>
+            <a:xfrm>
+              <a:off x="3260952" y="5433340"/>
+              <a:ext cx="264816" cy="369332"/>
+            </a:xfrm>
+            <a:prstGeom prst="rect">
+              <a:avLst/>
+            </a:prstGeom>
+            <a:noFill/>
+          </p:spPr>
+          <p:txBody>
+            <a:bodyPr wrap="none" rtlCol="0">
+              <a:spAutoFit/>
+            </a:bodyPr>
+            <a:lstStyle/>
+            <a:p>
+              <a:r>
+                <a:rPr lang="en-US" altLang="ja-JP" dirty="0"/>
+                <a:t>r</a:t>
+              </a:r>
+              <a:endParaRPr kumimoji="1" lang="ja-JP" altLang="en-US"/>
+            </a:p>
+          </p:txBody>
+        </p:sp>
+        <p:cxnSp>
+          <p:nvCxnSpPr>
+            <p:cNvPr id="9" name="直線コネクタ 8">
+              <a:extLst>
+                <a:ext uri="{FF2B5EF4-FFF2-40B4-BE49-F238E27FC236}">
+                  <a16:creationId xmlns:a16="http://schemas.microsoft.com/office/drawing/2014/main" id="{99A7A3E3-27FC-2841-B009-DA7F00ADC5BA}"/>
+                </a:ext>
+              </a:extLst>
+            </p:cNvPr>
+            <p:cNvCxnSpPr>
+              <a:stCxn id="5" idx="2"/>
+              <a:endCxn id="6" idx="0"/>
+            </p:cNvCxnSpPr>
+            <p:nvPr/>
+          </p:nvCxnSpPr>
+          <p:spPr>
+            <a:xfrm flipH="1">
+              <a:off x="3393360" y="3667009"/>
+              <a:ext cx="4809" cy="340903"/>
+            </a:xfrm>
+            <a:prstGeom prst="line">
+              <a:avLst/>
+            </a:prstGeom>
+          </p:spPr>
+          <p:style>
+            <a:lnRef idx="2">
+              <a:schemeClr val="dk1"/>
+            </a:lnRef>
+            <a:fillRef idx="0">
+              <a:schemeClr val="dk1"/>
+            </a:fillRef>
+            <a:effectRef idx="1">
+              <a:schemeClr val="dk1"/>
+            </a:effectRef>
+            <a:fontRef idx="minor">
+              <a:schemeClr val="tx1"/>
+            </a:fontRef>
+          </p:style>
+        </p:cxnSp>
+        <p:cxnSp>
+          <p:nvCxnSpPr>
+            <p:cNvPr id="10" name="直線コネクタ 9">
+              <a:extLst>
+                <a:ext uri="{FF2B5EF4-FFF2-40B4-BE49-F238E27FC236}">
+                  <a16:creationId xmlns:a16="http://schemas.microsoft.com/office/drawing/2014/main" id="{2CBCEB4F-A42B-B540-8955-9CA578B9D0B7}"/>
+                </a:ext>
+              </a:extLst>
+            </p:cNvPr>
+            <p:cNvCxnSpPr>
+              <a:cxnSpLocks/>
+              <a:stCxn id="7" idx="0"/>
+              <a:endCxn id="6" idx="2"/>
+            </p:cNvCxnSpPr>
+            <p:nvPr/>
+          </p:nvCxnSpPr>
+          <p:spPr>
+            <a:xfrm flipV="1">
+              <a:off x="3393360" y="4377244"/>
+              <a:ext cx="0" cy="345861"/>
+            </a:xfrm>
+            <a:prstGeom prst="line">
+              <a:avLst/>
+            </a:prstGeom>
+          </p:spPr>
+          <p:style>
+            <a:lnRef idx="2">
+              <a:schemeClr val="dk1"/>
+            </a:lnRef>
+            <a:fillRef idx="0">
+              <a:schemeClr val="dk1"/>
+            </a:fillRef>
+            <a:effectRef idx="1">
+              <a:schemeClr val="dk1"/>
+            </a:effectRef>
+            <a:fontRef idx="minor">
+              <a:schemeClr val="tx1"/>
+            </a:fontRef>
+          </p:style>
+        </p:cxnSp>
+        <p:cxnSp>
+          <p:nvCxnSpPr>
+            <p:cNvPr id="11" name="直線コネクタ 10">
+              <a:extLst>
+                <a:ext uri="{FF2B5EF4-FFF2-40B4-BE49-F238E27FC236}">
+                  <a16:creationId xmlns:a16="http://schemas.microsoft.com/office/drawing/2014/main" id="{20D30330-2AD1-874D-BE88-45E8A18804E6}"/>
+                </a:ext>
+              </a:extLst>
+            </p:cNvPr>
+            <p:cNvCxnSpPr>
+              <a:cxnSpLocks/>
+              <a:stCxn id="8" idx="0"/>
+              <a:endCxn id="7" idx="2"/>
+            </p:cNvCxnSpPr>
+            <p:nvPr/>
+          </p:nvCxnSpPr>
+          <p:spPr>
+            <a:xfrm flipV="1">
+              <a:off x="3393360" y="5092437"/>
+              <a:ext cx="0" cy="340903"/>
+            </a:xfrm>
+            <a:prstGeom prst="line">
+              <a:avLst/>
+            </a:prstGeom>
+          </p:spPr>
+          <p:style>
+            <a:lnRef idx="2">
+              <a:schemeClr val="dk1"/>
+            </a:lnRef>
+            <a:fillRef idx="0">
+              <a:schemeClr val="dk1"/>
+            </a:fillRef>
+            <a:effectRef idx="1">
+              <a:schemeClr val="dk1"/>
+            </a:effectRef>
+            <a:fontRef idx="minor">
+              <a:schemeClr val="tx1"/>
+            </a:fontRef>
+          </p:style>
+        </p:cxnSp>
+      </p:grpSp>
+      <p:grpSp>
+        <p:nvGrpSpPr>
+          <p:cNvPr id="12" name="グループ化 11">
+            <a:extLst>
+              <a:ext uri="{FF2B5EF4-FFF2-40B4-BE49-F238E27FC236}">
+                <a16:creationId xmlns:a16="http://schemas.microsoft.com/office/drawing/2014/main" id="{FDA4C75E-DB3D-7E48-AA35-5E9BA0146419}"/>
+              </a:ext>
+            </a:extLst>
+          </p:cNvPr>
+          <p:cNvGrpSpPr/>
+          <p:nvPr/>
+        </p:nvGrpSpPr>
+        <p:grpSpPr>
+          <a:xfrm>
+            <a:off x="1158625" y="3326670"/>
+            <a:ext cx="317716" cy="1794760"/>
+            <a:chOff x="3239311" y="3297677"/>
+            <a:chExt cx="317716" cy="1794760"/>
+          </a:xfrm>
+        </p:grpSpPr>
+        <p:sp>
+          <p:nvSpPr>
+            <p:cNvPr id="13" name="テキスト ボックス 12">
+              <a:extLst>
+                <a:ext uri="{FF2B5EF4-FFF2-40B4-BE49-F238E27FC236}">
+                  <a16:creationId xmlns:a16="http://schemas.microsoft.com/office/drawing/2014/main" id="{BF90C4FA-DDEB-6F4C-AFDB-5C90BC4D0011}"/>
+                </a:ext>
+              </a:extLst>
+            </p:cNvPr>
+            <p:cNvSpPr txBox="1"/>
+            <p:nvPr/>
+          </p:nvSpPr>
+          <p:spPr>
+            <a:xfrm>
+              <a:off x="3239311" y="3297677"/>
+              <a:ext cx="317716" cy="369332"/>
+            </a:xfrm>
+            <a:prstGeom prst="rect">
+              <a:avLst/>
+            </a:prstGeom>
+            <a:noFill/>
+          </p:spPr>
+          <p:txBody>
+            <a:bodyPr wrap="none" rtlCol="0">
+              <a:spAutoFit/>
+            </a:bodyPr>
+            <a:lstStyle/>
+            <a:p>
+              <a:r>
+                <a:rPr kumimoji="1" lang="en-US" altLang="ja-JP" dirty="0"/>
+                <a:t>A</a:t>
+              </a:r>
+              <a:endParaRPr kumimoji="1" lang="ja-JP" altLang="en-US"/>
+            </a:p>
+          </p:txBody>
+        </p:sp>
+        <p:sp>
+          <p:nvSpPr>
+            <p:cNvPr id="14" name="テキスト ボックス 13">
+              <a:extLst>
+                <a:ext uri="{FF2B5EF4-FFF2-40B4-BE49-F238E27FC236}">
+                  <a16:creationId xmlns:a16="http://schemas.microsoft.com/office/drawing/2014/main" id="{E8324609-27CE-FA4D-9BB6-EF54A8D8281F}"/>
+                </a:ext>
+              </a:extLst>
+            </p:cNvPr>
+            <p:cNvSpPr txBox="1"/>
+            <p:nvPr/>
+          </p:nvSpPr>
+          <p:spPr>
+            <a:xfrm>
+              <a:off x="3239311" y="4007912"/>
+              <a:ext cx="309700" cy="369332"/>
+            </a:xfrm>
+            <a:prstGeom prst="rect">
+              <a:avLst/>
+            </a:prstGeom>
+            <a:noFill/>
+          </p:spPr>
+          <p:txBody>
+            <a:bodyPr wrap="none" rtlCol="0">
+              <a:spAutoFit/>
+            </a:bodyPr>
+            <a:lstStyle/>
+            <a:p>
+              <a:r>
+                <a:rPr lang="en-US" altLang="ja-JP" dirty="0"/>
+                <a:t>B</a:t>
+              </a:r>
+              <a:endParaRPr kumimoji="1" lang="ja-JP" altLang="en-US"/>
+            </a:p>
+          </p:txBody>
+        </p:sp>
+        <p:sp>
+          <p:nvSpPr>
+            <p:cNvPr id="15" name="テキスト ボックス 14">
+              <a:extLst>
+                <a:ext uri="{FF2B5EF4-FFF2-40B4-BE49-F238E27FC236}">
+                  <a16:creationId xmlns:a16="http://schemas.microsoft.com/office/drawing/2014/main" id="{1D3FA1A8-5E4B-1D41-9348-DB901F2F1FAB}"/>
+                </a:ext>
+              </a:extLst>
+            </p:cNvPr>
+            <p:cNvSpPr txBox="1"/>
+            <p:nvPr/>
+          </p:nvSpPr>
+          <p:spPr>
+            <a:xfrm>
+              <a:off x="3256944" y="4723105"/>
+              <a:ext cx="274434" cy="369332"/>
+            </a:xfrm>
+            <a:prstGeom prst="rect">
+              <a:avLst/>
+            </a:prstGeom>
+            <a:noFill/>
+          </p:spPr>
+          <p:txBody>
+            <a:bodyPr wrap="none" rtlCol="0">
+              <a:spAutoFit/>
+            </a:bodyPr>
+            <a:lstStyle/>
+            <a:p>
+              <a:r>
+                <a:rPr kumimoji="1" lang="en-US" altLang="ja-JP" dirty="0"/>
+                <a:t>s</a:t>
+              </a:r>
+              <a:endParaRPr kumimoji="1" lang="ja-JP" altLang="en-US"/>
+            </a:p>
+          </p:txBody>
+        </p:sp>
+        <p:cxnSp>
+          <p:nvCxnSpPr>
+            <p:cNvPr id="16" name="直線コネクタ 15">
+              <a:extLst>
+                <a:ext uri="{FF2B5EF4-FFF2-40B4-BE49-F238E27FC236}">
+                  <a16:creationId xmlns:a16="http://schemas.microsoft.com/office/drawing/2014/main" id="{0B861D67-2B42-934E-A049-6A7F9ECD927C}"/>
+                </a:ext>
+              </a:extLst>
+            </p:cNvPr>
+            <p:cNvCxnSpPr>
+              <a:stCxn id="13" idx="2"/>
+              <a:endCxn id="14" idx="0"/>
+            </p:cNvCxnSpPr>
+            <p:nvPr/>
+          </p:nvCxnSpPr>
+          <p:spPr>
+            <a:xfrm flipH="1">
+              <a:off x="3394161" y="3667009"/>
+              <a:ext cx="4008" cy="340903"/>
+            </a:xfrm>
+            <a:prstGeom prst="line">
+              <a:avLst/>
+            </a:prstGeom>
+          </p:spPr>
+          <p:style>
+            <a:lnRef idx="2">
+              <a:schemeClr val="dk1"/>
+            </a:lnRef>
+            <a:fillRef idx="0">
+              <a:schemeClr val="dk1"/>
+            </a:fillRef>
+            <a:effectRef idx="1">
+              <a:schemeClr val="dk1"/>
+            </a:effectRef>
+            <a:fontRef idx="minor">
+              <a:schemeClr val="tx1"/>
+            </a:fontRef>
+          </p:style>
+        </p:cxnSp>
+        <p:cxnSp>
+          <p:nvCxnSpPr>
+            <p:cNvPr id="17" name="直線コネクタ 16">
+              <a:extLst>
+                <a:ext uri="{FF2B5EF4-FFF2-40B4-BE49-F238E27FC236}">
+                  <a16:creationId xmlns:a16="http://schemas.microsoft.com/office/drawing/2014/main" id="{5B64EF5D-21C1-1A40-BB16-3A2519BA3FA0}"/>
+                </a:ext>
+              </a:extLst>
+            </p:cNvPr>
+            <p:cNvCxnSpPr>
+              <a:cxnSpLocks/>
+              <a:stCxn id="15" idx="0"/>
+              <a:endCxn id="14" idx="2"/>
+            </p:cNvCxnSpPr>
+            <p:nvPr/>
+          </p:nvCxnSpPr>
+          <p:spPr>
+            <a:xfrm flipV="1">
+              <a:off x="3394161" y="4377244"/>
+              <a:ext cx="0" cy="345861"/>
+            </a:xfrm>
+            <a:prstGeom prst="line">
+              <a:avLst/>
+            </a:prstGeom>
+          </p:spPr>
+          <p:style>
+            <a:lnRef idx="2">
+              <a:schemeClr val="dk1"/>
+            </a:lnRef>
+            <a:fillRef idx="0">
+              <a:schemeClr val="dk1"/>
+            </a:fillRef>
+            <a:effectRef idx="1">
+              <a:schemeClr val="dk1"/>
+            </a:effectRef>
+            <a:fontRef idx="minor">
+              <a:schemeClr val="tx1"/>
+            </a:fontRef>
+          </p:style>
+        </p:cxnSp>
+      </p:grpSp>
+      <p:sp>
+        <p:nvSpPr>
+          <p:cNvPr id="18" name="加算記号 17">
+            <a:extLst>
+              <a:ext uri="{FF2B5EF4-FFF2-40B4-BE49-F238E27FC236}">
+                <a16:creationId xmlns:a16="http://schemas.microsoft.com/office/drawing/2014/main" id="{6FA57906-B6F9-824C-8BA8-884C8D4D10C1}"/>
+              </a:ext>
+            </a:extLst>
+          </p:cNvPr>
+          <p:cNvSpPr/>
+          <p:nvPr/>
+        </p:nvSpPr>
+        <p:spPr>
+          <a:xfrm>
+            <a:off x="1971974" y="4017639"/>
+            <a:ext cx="717286" cy="715193"/>
+          </a:xfrm>
+          <a:prstGeom prst="mathPlus">
+            <a:avLst>
+              <a:gd name="adj1" fmla="val 9919"/>
+            </a:avLst>
+          </a:prstGeom>
+        </p:spPr>
+        <p:style>
+          <a:lnRef idx="2">
+            <a:schemeClr val="dk1">
+              <a:shade val="50000"/>
+            </a:schemeClr>
+          </a:lnRef>
+          <a:fillRef idx="1">
+            <a:schemeClr val="dk1"/>
+          </a:fillRef>
+          <a:effectRef idx="0">
+            <a:schemeClr val="dk1"/>
+          </a:effectRef>
+          <a:fontRef idx="minor">
+            <a:schemeClr val="lt1"/>
+          </a:fontRef>
+        </p:style>
+        <p:txBody>
+          <a:bodyPr rtlCol="0" anchor="ctr"/>
+          <a:lstStyle/>
+          <a:p>
+            <a:pPr algn="ctr"/>
+            <a:endParaRPr kumimoji="1" lang="ja-JP" altLang="en-US"/>
+          </a:p>
+        </p:txBody>
+      </p:sp>
+      <p:sp>
+        <p:nvSpPr>
+          <p:cNvPr id="19" name="等号 18">
+            <a:extLst>
+              <a:ext uri="{FF2B5EF4-FFF2-40B4-BE49-F238E27FC236}">
+                <a16:creationId xmlns:a16="http://schemas.microsoft.com/office/drawing/2014/main" id="{2F4B16B3-E121-DE4B-841B-340B7A14B159}"/>
+              </a:ext>
+            </a:extLst>
+          </p:cNvPr>
+          <p:cNvSpPr/>
+          <p:nvPr/>
+        </p:nvSpPr>
+        <p:spPr>
+          <a:xfrm>
+            <a:off x="4380335" y="3971595"/>
+            <a:ext cx="700391" cy="807280"/>
+          </a:xfrm>
+          <a:prstGeom prst="mathEqual">
+            <a:avLst>
+              <a:gd name="adj1" fmla="val 7896"/>
+              <a:gd name="adj2" fmla="val 11760"/>
+            </a:avLst>
+          </a:prstGeom>
+        </p:spPr>
+        <p:style>
+          <a:lnRef idx="2">
+            <a:schemeClr val="dk1">
+              <a:shade val="50000"/>
+            </a:schemeClr>
+          </a:lnRef>
+          <a:fillRef idx="1">
+            <a:schemeClr val="dk1"/>
+          </a:fillRef>
+          <a:effectRef idx="0">
+            <a:schemeClr val="dk1"/>
+          </a:effectRef>
+          <a:fontRef idx="minor">
+            <a:schemeClr val="lt1"/>
+          </a:fontRef>
+        </p:style>
+        <p:txBody>
+          <a:bodyPr rtlCol="0" anchor="ctr"/>
+          <a:lstStyle/>
+          <a:p>
+            <a:pPr algn="ctr"/>
+            <a:endParaRPr kumimoji="1" lang="ja-JP" altLang="en-US">
+              <a:solidFill>
+                <a:schemeClr val="tx1"/>
+              </a:solidFill>
+            </a:endParaRPr>
+          </a:p>
+        </p:txBody>
+      </p:sp>
+      <p:sp>
+        <p:nvSpPr>
+          <p:cNvPr id="32" name="テキスト ボックス 31">
+            <a:extLst>
+              <a:ext uri="{FF2B5EF4-FFF2-40B4-BE49-F238E27FC236}">
+                <a16:creationId xmlns:a16="http://schemas.microsoft.com/office/drawing/2014/main" id="{1F784EDA-C0CF-DE48-99CE-639191104F60}"/>
+              </a:ext>
+            </a:extLst>
+          </p:cNvPr>
+          <p:cNvSpPr txBox="1"/>
+          <p:nvPr/>
+        </p:nvSpPr>
+        <p:spPr>
+          <a:xfrm>
+            <a:off x="3941300" y="3735702"/>
+            <a:ext cx="1763624" cy="400110"/>
+          </a:xfrm>
+          <a:prstGeom prst="rect">
+            <a:avLst/>
+          </a:prstGeom>
+          <a:noFill/>
+        </p:spPr>
+        <p:txBody>
+          <a:bodyPr wrap="none" rtlCol="0">
+            <a:spAutoFit/>
+          </a:bodyPr>
+          <a:lstStyle/>
+          <a:p>
+            <a:r>
+              <a:rPr kumimoji="1" lang="en-US" altLang="ja-JP" sz="2000" dirty="0">
+                <a:latin typeface="Hiragino Kaku Gothic Pro W3" panose="020B0300000000000000" pitchFamily="34" charset="-128"/>
+                <a:ea typeface="Hiragino Kaku Gothic Pro W3" panose="020B0300000000000000" pitchFamily="34" charset="-128"/>
+              </a:rPr>
+              <a:t>B &gt;&gt; C</a:t>
+            </a:r>
+            <a:r>
+              <a:rPr kumimoji="1" lang="ja-JP" altLang="en-US" sz="2000">
+                <a:latin typeface="Hiragino Kaku Gothic Pro W3" panose="020B0300000000000000" pitchFamily="34" charset="-128"/>
+                <a:ea typeface="Hiragino Kaku Gothic Pro W3" panose="020B0300000000000000" pitchFamily="34" charset="-128"/>
+              </a:rPr>
+              <a:t>の場合</a:t>
+            </a:r>
+          </a:p>
+        </p:txBody>
+      </p:sp>
+      <p:grpSp>
+        <p:nvGrpSpPr>
+          <p:cNvPr id="41" name="グループ化 40">
+            <a:extLst>
+              <a:ext uri="{FF2B5EF4-FFF2-40B4-BE49-F238E27FC236}">
+                <a16:creationId xmlns:a16="http://schemas.microsoft.com/office/drawing/2014/main" id="{2DB56088-938A-5449-8B14-F42CFFE62FD5}"/>
+              </a:ext>
+            </a:extLst>
+          </p:cNvPr>
+          <p:cNvGrpSpPr/>
+          <p:nvPr/>
+        </p:nvGrpSpPr>
+        <p:grpSpPr>
+          <a:xfrm>
+            <a:off x="6004257" y="3326859"/>
+            <a:ext cx="629796" cy="2514722"/>
+            <a:chOff x="2927231" y="3297677"/>
+            <a:chExt cx="629796" cy="2514722"/>
+          </a:xfrm>
+        </p:grpSpPr>
+        <p:sp>
+          <p:nvSpPr>
+            <p:cNvPr id="42" name="テキスト ボックス 41">
+              <a:extLst>
+                <a:ext uri="{FF2B5EF4-FFF2-40B4-BE49-F238E27FC236}">
+                  <a16:creationId xmlns:a16="http://schemas.microsoft.com/office/drawing/2014/main" id="{7A59E875-1325-AD41-9C8B-4FBA480EEB64}"/>
+                </a:ext>
+              </a:extLst>
+            </p:cNvPr>
+            <p:cNvSpPr txBox="1"/>
+            <p:nvPr/>
+          </p:nvSpPr>
+          <p:spPr>
+            <a:xfrm>
+              <a:off x="3239311" y="3297677"/>
+              <a:ext cx="317716" cy="369332"/>
+            </a:xfrm>
+            <a:prstGeom prst="rect">
+              <a:avLst/>
+            </a:prstGeom>
+            <a:noFill/>
+          </p:spPr>
+          <p:txBody>
+            <a:bodyPr wrap="none" rtlCol="0">
+              <a:spAutoFit/>
+            </a:bodyPr>
+            <a:lstStyle/>
+            <a:p>
+              <a:r>
+                <a:rPr kumimoji="1" lang="en-US" altLang="ja-JP" dirty="0"/>
+                <a:t>A</a:t>
+              </a:r>
+              <a:endParaRPr kumimoji="1" lang="ja-JP" altLang="en-US"/>
+            </a:p>
+          </p:txBody>
+        </p:sp>
+        <p:sp>
+          <p:nvSpPr>
+            <p:cNvPr id="43" name="テキスト ボックス 42">
+              <a:extLst>
+                <a:ext uri="{FF2B5EF4-FFF2-40B4-BE49-F238E27FC236}">
+                  <a16:creationId xmlns:a16="http://schemas.microsoft.com/office/drawing/2014/main" id="{F06632F9-8105-5E4F-BF89-3FAAE8971D4E}"/>
+                </a:ext>
+              </a:extLst>
+            </p:cNvPr>
+            <p:cNvSpPr txBox="1"/>
+            <p:nvPr/>
+          </p:nvSpPr>
+          <p:spPr>
+            <a:xfrm>
+              <a:off x="2936849" y="4017639"/>
+              <a:ext cx="308098" cy="369332"/>
+            </a:xfrm>
+            <a:prstGeom prst="rect">
+              <a:avLst/>
+            </a:prstGeom>
+            <a:noFill/>
+          </p:spPr>
+          <p:txBody>
+            <a:bodyPr wrap="none" rtlCol="0">
+              <a:spAutoFit/>
+            </a:bodyPr>
+            <a:lstStyle/>
+            <a:p>
+              <a:r>
+                <a:rPr kumimoji="1" lang="en-US" altLang="ja-JP" dirty="0"/>
+                <a:t>C</a:t>
+              </a:r>
+              <a:endParaRPr kumimoji="1" lang="ja-JP" altLang="en-US"/>
+            </a:p>
+          </p:txBody>
+        </p:sp>
+        <p:sp>
+          <p:nvSpPr>
+            <p:cNvPr id="44" name="テキスト ボックス 43">
+              <a:extLst>
+                <a:ext uri="{FF2B5EF4-FFF2-40B4-BE49-F238E27FC236}">
+                  <a16:creationId xmlns:a16="http://schemas.microsoft.com/office/drawing/2014/main" id="{4BF4390A-2284-EC44-8312-68C7FF89680F}"/>
+                </a:ext>
+              </a:extLst>
+            </p:cNvPr>
+            <p:cNvSpPr txBox="1"/>
+            <p:nvPr/>
+          </p:nvSpPr>
+          <p:spPr>
+            <a:xfrm>
+              <a:off x="2927231" y="4732832"/>
+              <a:ext cx="327334" cy="369332"/>
+            </a:xfrm>
+            <a:prstGeom prst="rect">
+              <a:avLst/>
+            </a:prstGeom>
+            <a:noFill/>
+          </p:spPr>
+          <p:txBody>
+            <a:bodyPr wrap="none" rtlCol="0">
+              <a:spAutoFit/>
+            </a:bodyPr>
+            <a:lstStyle/>
+            <a:p>
+              <a:r>
+                <a:rPr kumimoji="1" lang="en-US" altLang="ja-JP" dirty="0"/>
+                <a:t>D</a:t>
+              </a:r>
+              <a:endParaRPr kumimoji="1" lang="ja-JP" altLang="en-US"/>
+            </a:p>
+          </p:txBody>
+        </p:sp>
+        <p:sp>
+          <p:nvSpPr>
+            <p:cNvPr id="45" name="テキスト ボックス 44">
+              <a:extLst>
+                <a:ext uri="{FF2B5EF4-FFF2-40B4-BE49-F238E27FC236}">
+                  <a16:creationId xmlns:a16="http://schemas.microsoft.com/office/drawing/2014/main" id="{A96B9564-41FE-394A-8B9F-58977EF7B88E}"/>
+                </a:ext>
+              </a:extLst>
+            </p:cNvPr>
+            <p:cNvSpPr txBox="1"/>
+            <p:nvPr/>
+          </p:nvSpPr>
+          <p:spPr>
+            <a:xfrm>
+              <a:off x="2962840" y="5443067"/>
+              <a:ext cx="264816" cy="369332"/>
+            </a:xfrm>
+            <a:prstGeom prst="rect">
+              <a:avLst/>
+            </a:prstGeom>
+            <a:noFill/>
+          </p:spPr>
+          <p:txBody>
+            <a:bodyPr wrap="none" rtlCol="0">
+              <a:spAutoFit/>
+            </a:bodyPr>
+            <a:lstStyle/>
+            <a:p>
+              <a:r>
+                <a:rPr lang="en-US" altLang="ja-JP" dirty="0"/>
+                <a:t>r</a:t>
+              </a:r>
+              <a:endParaRPr kumimoji="1" lang="ja-JP" altLang="en-US"/>
+            </a:p>
+          </p:txBody>
+        </p:sp>
+        <p:cxnSp>
+          <p:nvCxnSpPr>
+            <p:cNvPr id="46" name="直線コネクタ 45">
+              <a:extLst>
+                <a:ext uri="{FF2B5EF4-FFF2-40B4-BE49-F238E27FC236}">
+                  <a16:creationId xmlns:a16="http://schemas.microsoft.com/office/drawing/2014/main" id="{CA71D12F-F4C1-EB41-A789-547B20650A21}"/>
+                </a:ext>
+              </a:extLst>
+            </p:cNvPr>
+            <p:cNvCxnSpPr>
+              <a:stCxn id="42" idx="2"/>
+              <a:endCxn id="43" idx="0"/>
+            </p:cNvCxnSpPr>
+            <p:nvPr/>
+          </p:nvCxnSpPr>
+          <p:spPr>
+            <a:xfrm flipH="1">
+              <a:off x="3090898" y="3667009"/>
+              <a:ext cx="307271" cy="350630"/>
+            </a:xfrm>
+            <a:prstGeom prst="line">
+              <a:avLst/>
+            </a:prstGeom>
+          </p:spPr>
+          <p:style>
+            <a:lnRef idx="2">
+              <a:schemeClr val="dk1"/>
+            </a:lnRef>
+            <a:fillRef idx="0">
+              <a:schemeClr val="dk1"/>
+            </a:fillRef>
+            <a:effectRef idx="1">
+              <a:schemeClr val="dk1"/>
+            </a:effectRef>
+            <a:fontRef idx="minor">
+              <a:schemeClr val="tx1"/>
+            </a:fontRef>
+          </p:style>
+        </p:cxnSp>
+        <p:cxnSp>
+          <p:nvCxnSpPr>
+            <p:cNvPr id="47" name="直線コネクタ 46">
+              <a:extLst>
+                <a:ext uri="{FF2B5EF4-FFF2-40B4-BE49-F238E27FC236}">
+                  <a16:creationId xmlns:a16="http://schemas.microsoft.com/office/drawing/2014/main" id="{15CBB9D6-C863-5548-9F1C-DD6568945C57}"/>
+                </a:ext>
+              </a:extLst>
+            </p:cNvPr>
+            <p:cNvCxnSpPr>
+              <a:cxnSpLocks/>
+              <a:stCxn id="44" idx="0"/>
+              <a:endCxn id="43" idx="2"/>
+            </p:cNvCxnSpPr>
+            <p:nvPr/>
+          </p:nvCxnSpPr>
+          <p:spPr>
+            <a:xfrm flipV="1">
+              <a:off x="3090898" y="4386971"/>
+              <a:ext cx="0" cy="345861"/>
+            </a:xfrm>
+            <a:prstGeom prst="line">
+              <a:avLst/>
+            </a:prstGeom>
+          </p:spPr>
+          <p:style>
+            <a:lnRef idx="2">
+              <a:schemeClr val="dk1"/>
+            </a:lnRef>
+            <a:fillRef idx="0">
+              <a:schemeClr val="dk1"/>
+            </a:fillRef>
+            <a:effectRef idx="1">
+              <a:schemeClr val="dk1"/>
+            </a:effectRef>
+            <a:fontRef idx="minor">
+              <a:schemeClr val="tx1"/>
+            </a:fontRef>
+          </p:style>
+        </p:cxnSp>
+        <p:cxnSp>
+          <p:nvCxnSpPr>
+            <p:cNvPr id="48" name="直線コネクタ 47">
+              <a:extLst>
+                <a:ext uri="{FF2B5EF4-FFF2-40B4-BE49-F238E27FC236}">
+                  <a16:creationId xmlns:a16="http://schemas.microsoft.com/office/drawing/2014/main" id="{31755DFA-C165-F842-82A7-61C7B2E9F60B}"/>
+                </a:ext>
+              </a:extLst>
+            </p:cNvPr>
+            <p:cNvCxnSpPr>
+              <a:cxnSpLocks/>
+              <a:stCxn id="45" idx="0"/>
+              <a:endCxn id="44" idx="2"/>
+            </p:cNvCxnSpPr>
+            <p:nvPr/>
+          </p:nvCxnSpPr>
+          <p:spPr>
+            <a:xfrm flipH="1" flipV="1">
+              <a:off x="3090898" y="5102164"/>
+              <a:ext cx="4350" cy="340903"/>
+            </a:xfrm>
+            <a:prstGeom prst="line">
+              <a:avLst/>
+            </a:prstGeom>
+          </p:spPr>
+          <p:style>
+            <a:lnRef idx="2">
+              <a:schemeClr val="dk1"/>
+            </a:lnRef>
+            <a:fillRef idx="0">
+              <a:schemeClr val="dk1"/>
+            </a:fillRef>
+            <a:effectRef idx="1">
+              <a:schemeClr val="dk1"/>
+            </a:effectRef>
+            <a:fontRef idx="minor">
+              <a:schemeClr val="tx1"/>
+            </a:fontRef>
+          </p:style>
+        </p:cxnSp>
+      </p:grpSp>
+      <p:sp>
+        <p:nvSpPr>
+          <p:cNvPr id="49" name="テキスト ボックス 48">
+            <a:extLst>
+              <a:ext uri="{FF2B5EF4-FFF2-40B4-BE49-F238E27FC236}">
+                <a16:creationId xmlns:a16="http://schemas.microsoft.com/office/drawing/2014/main" id="{0C9438E2-7667-8D49-BE53-1E0CC96006FE}"/>
+              </a:ext>
+            </a:extLst>
+          </p:cNvPr>
+          <p:cNvSpPr txBox="1"/>
+          <p:nvPr/>
+        </p:nvSpPr>
+        <p:spPr>
+          <a:xfrm>
+            <a:off x="6618022" y="4762014"/>
+            <a:ext cx="274434" cy="369332"/>
+          </a:xfrm>
+          <a:prstGeom prst="rect">
+            <a:avLst/>
+          </a:prstGeom>
+          <a:noFill/>
+        </p:spPr>
+        <p:txBody>
+          <a:bodyPr wrap="none" rtlCol="0">
+            <a:spAutoFit/>
+          </a:bodyPr>
+          <a:lstStyle/>
+          <a:p>
+            <a:r>
+              <a:rPr kumimoji="1" lang="en-US" altLang="ja-JP" dirty="0"/>
+              <a:t>s</a:t>
+            </a:r>
+            <a:endParaRPr kumimoji="1" lang="ja-JP" altLang="en-US"/>
+          </a:p>
+        </p:txBody>
+      </p:sp>
+      <p:cxnSp>
+        <p:nvCxnSpPr>
+          <p:cNvPr id="50" name="直線コネクタ 49">
+            <a:extLst>
+              <a:ext uri="{FF2B5EF4-FFF2-40B4-BE49-F238E27FC236}">
+                <a16:creationId xmlns:a16="http://schemas.microsoft.com/office/drawing/2014/main" id="{E95291F3-7B9A-4C46-B18E-FFAD9A4579FB}"/>
+              </a:ext>
+            </a:extLst>
+          </p:cNvPr>
+          <p:cNvCxnSpPr>
+            <a:cxnSpLocks/>
+            <a:stCxn id="49" idx="0"/>
+            <a:endCxn id="54" idx="2"/>
+          </p:cNvCxnSpPr>
+          <p:nvPr/>
+        </p:nvCxnSpPr>
+        <p:spPr>
+          <a:xfrm flipV="1">
+            <a:off x="6755239" y="4418600"/>
+            <a:ext cx="0" cy="343414"/>
+          </a:xfrm>
+          <a:prstGeom prst="line">
+            <a:avLst/>
+          </a:prstGeom>
+        </p:spPr>
+        <p:style>
+          <a:lnRef idx="2">
+            <a:schemeClr val="dk1"/>
+          </a:lnRef>
+          <a:fillRef idx="0">
+            <a:schemeClr val="dk1"/>
+          </a:fillRef>
+          <a:effectRef idx="1">
+            <a:schemeClr val="dk1"/>
+          </a:effectRef>
+          <a:fontRef idx="minor">
+            <a:schemeClr val="tx1"/>
+          </a:fontRef>
+        </p:style>
+      </p:cxnSp>
+      <p:sp>
+        <p:nvSpPr>
+          <p:cNvPr id="54" name="テキスト ボックス 53">
+            <a:extLst>
+              <a:ext uri="{FF2B5EF4-FFF2-40B4-BE49-F238E27FC236}">
+                <a16:creationId xmlns:a16="http://schemas.microsoft.com/office/drawing/2014/main" id="{01068830-CF1C-094C-BFB8-6F30EE61569B}"/>
+              </a:ext>
+            </a:extLst>
+          </p:cNvPr>
+          <p:cNvSpPr txBox="1"/>
+          <p:nvPr/>
+        </p:nvSpPr>
+        <p:spPr>
+          <a:xfrm>
+            <a:off x="6600389" y="4049268"/>
+            <a:ext cx="309700" cy="369332"/>
+          </a:xfrm>
+          <a:prstGeom prst="rect">
+            <a:avLst/>
+          </a:prstGeom>
+          <a:noFill/>
+        </p:spPr>
+        <p:txBody>
+          <a:bodyPr wrap="none" rtlCol="0">
+            <a:spAutoFit/>
+          </a:bodyPr>
+          <a:lstStyle/>
+          <a:p>
+            <a:r>
+              <a:rPr lang="en-US" altLang="ja-JP" dirty="0"/>
+              <a:t>B</a:t>
+            </a:r>
+            <a:endParaRPr kumimoji="1" lang="ja-JP" altLang="en-US"/>
+          </a:p>
+        </p:txBody>
+      </p:sp>
+      <p:cxnSp>
+        <p:nvCxnSpPr>
+          <p:cNvPr id="56" name="直線コネクタ 55">
+            <a:extLst>
+              <a:ext uri="{FF2B5EF4-FFF2-40B4-BE49-F238E27FC236}">
+                <a16:creationId xmlns:a16="http://schemas.microsoft.com/office/drawing/2014/main" id="{890402F4-0B7B-3F44-BD9E-9D822AADA5A2}"/>
+              </a:ext>
+            </a:extLst>
+          </p:cNvPr>
+          <p:cNvCxnSpPr>
+            <a:cxnSpLocks/>
+            <a:stCxn id="54" idx="0"/>
+          </p:cNvCxnSpPr>
+          <p:nvPr/>
+        </p:nvCxnSpPr>
+        <p:spPr>
+          <a:xfrm flipH="1" flipV="1">
+            <a:off x="6475197" y="3696004"/>
+            <a:ext cx="280042" cy="353264"/>
+          </a:xfrm>
+          <a:prstGeom prst="line">
+            <a:avLst/>
+          </a:prstGeom>
+        </p:spPr>
+        <p:style>
+          <a:lnRef idx="2">
+            <a:schemeClr val="dk1"/>
+          </a:lnRef>
+          <a:fillRef idx="0">
+            <a:schemeClr val="dk1"/>
+          </a:fillRef>
+          <a:effectRef idx="1">
+            <a:schemeClr val="dk1"/>
+          </a:effectRef>
+          <a:fontRef idx="minor">
+            <a:schemeClr val="tx1"/>
+          </a:fontRef>
+        </p:style>
+      </p:cxnSp>
     </p:spTree>
     <p:extLst>
       <p:ext uri="{BB962C8B-B14F-4D97-AF65-F5344CB8AC3E}">
@@ -3634,7 +4731,7 @@
                       <a:rPr kumimoji="1" lang="en-US" altLang="ja-JP" b="1" i="0" smtClean="0">
                         <a:latin typeface="Cambria Math" panose="02040503050406030204" pitchFamily="18" charset="0"/>
                       </a:rPr>
-                      <m:t>source</m:t>
+                      <m:t>reference</m:t>
                     </m:r>
                     <m:r>
                       <m:rPr>
@@ -3652,7 +4749,7 @@
                       <a:rPr kumimoji="1" lang="en-US" altLang="ja-JP" b="1" i="0" smtClean="0">
                         <a:latin typeface="Cambria Math" panose="02040503050406030204" pitchFamily="18" charset="0"/>
                       </a:rPr>
-                      <m:t>reference</m:t>
+                      <m:t>source</m:t>
                     </m:r>
                     <m:r>
                       <m:rPr>
@@ -3690,6 +4787,124 @@
                     </m:r>
                   </m:oMath>
                 </a14:m>
+                <a:br>
+                  <a:rPr kumimoji="1" lang="en-US" altLang="ja-JP" dirty="0"/>
+                </a:br>
+                <a14:m>
+                  <m:oMath xmlns:m="http://schemas.openxmlformats.org/officeDocument/2006/math">
+                    <m:r>
+                      <a:rPr lang="en-US" altLang="ja-JP" i="1">
+                        <a:latin typeface="Cambria Math" panose="02040503050406030204" pitchFamily="18" charset="0"/>
+                      </a:rPr>
+                      <m:t>(</m:t>
+                    </m:r>
+                    <m:r>
+                      <m:rPr>
+                        <m:nor/>
+                      </m:rPr>
+                      <a:rPr lang="en-US" altLang="ja-JP">
+                        <a:latin typeface="Cambria Math" panose="02040503050406030204" pitchFamily="18" charset="0"/>
+                      </a:rPr>
+                      <m:t>//</m:t>
+                    </m:r>
+                    <m:r>
+                      <m:rPr>
+                        <m:nor/>
+                      </m:rPr>
+                      <a:rPr lang="en-US" altLang="ja-JP">
+                        <a:latin typeface="Cambria Math" panose="02040503050406030204" pitchFamily="18" charset="0"/>
+                      </a:rPr>
+                      <m:t>source</m:t>
+                    </m:r>
+                    <m:r>
+                      <m:rPr>
+                        <m:nor/>
+                      </m:rPr>
+                      <a:rPr lang="en-US" altLang="ja-JP">
+                        <a:latin typeface="Cambria Math" panose="02040503050406030204" pitchFamily="18" charset="0"/>
+                      </a:rPr>
+                      <m:t>, //</m:t>
+                    </m:r>
+                    <m:r>
+                      <m:rPr>
+                        <m:nor/>
+                      </m:rPr>
+                      <a:rPr lang="en-US" altLang="ja-JP">
+                        <a:latin typeface="Cambria Math" panose="02040503050406030204" pitchFamily="18" charset="0"/>
+                      </a:rPr>
+                      <m:t>reference</m:t>
+                    </m:r>
+                    <m:r>
+                      <m:rPr>
+                        <m:nor/>
+                      </m:rPr>
+                      <a:rPr lang="en-US" altLang="ja-JP">
+                        <a:latin typeface="Cambria Math" panose="02040503050406030204" pitchFamily="18" charset="0"/>
+                      </a:rPr>
+                      <m:t>)/</m:t>
+                    </m:r>
+                    <m:r>
+                      <m:rPr>
+                        <m:nor/>
+                      </m:rPr>
+                      <a:rPr lang="en-US" altLang="ja-JP">
+                        <a:latin typeface="Cambria Math" panose="02040503050406030204" pitchFamily="18" charset="0"/>
+                      </a:rPr>
+                      <m:t>self</m:t>
+                    </m:r>
+                    <m:r>
+                      <m:rPr>
+                        <m:nor/>
+                      </m:rPr>
+                      <a:rPr lang="en-US" altLang="ja-JP">
+                        <a:latin typeface="Cambria Math" panose="02040503050406030204" pitchFamily="18" charset="0"/>
+                      </a:rPr>
+                      <m:t>::</m:t>
+                    </m:r>
+                    <m:r>
+                      <a:rPr lang="en-US" altLang="ja-JP" i="1">
+                        <a:latin typeface="Cambria Math" panose="02040503050406030204" pitchFamily="18" charset="0"/>
+                        <a:ea typeface="Cambria Math" panose="02040503050406030204" pitchFamily="18" charset="0"/>
+                      </a:rPr>
+                      <m:t>∗</m:t>
+                    </m:r>
+                  </m:oMath>
+                </a14:m>
+                <a:br>
+                  <a:rPr kumimoji="1" lang="en-US" altLang="ja-JP" dirty="0"/>
+                </a:br>
+                <a:r>
+                  <a:rPr kumimoji="1" lang="ja-JP" altLang="en-US"/>
+                  <a:t>の問合せ結果の出力を確認</a:t>
+                </a:r>
+                <a:endParaRPr kumimoji="1" lang="en-US" altLang="ja-JP" dirty="0"/>
+              </a:p>
+              <a:p>
+                <a:pPr lvl="1"/>
+                <a:endParaRPr kumimoji="1" lang="en-US" altLang="ja-JP" dirty="0"/>
+              </a:p>
+              <a:p>
+                <a:pPr lvl="1"/>
+                <a:r>
+                  <a:rPr lang="en-US" altLang="ja-JP" dirty="0"/>
+                  <a:t>diff</a:t>
+                </a:r>
+                <a:r>
+                  <a:rPr lang="ja-JP" altLang="en-US"/>
+                  <a:t>を用いて確認した結果、等しい結果が得られることを確認</a:t>
+                </a:r>
+                <a:endParaRPr lang="en-US" altLang="ja-JP" dirty="0"/>
+              </a:p>
+              <a:p>
+                <a:pPr lvl="1"/>
+                <a:r>
+                  <a:rPr lang="ja-JP" altLang="en-US"/>
+                  <a:t>出力の順序は文書順となっていた</a:t>
+                </a:r>
+                <a:br>
+                  <a:rPr kumimoji="1" lang="en-US" altLang="ja-JP" dirty="0"/>
+                </a:br>
+                <a:endParaRPr kumimoji="1" lang="en-US" altLang="ja-JP" dirty="0"/>
               </a:p>
             </p:txBody>
           </p:sp>
